--- a/ClassMaterials/Encapsulation/Slides/Part1-UML-Code.pptx
+++ b/ClassMaterials/Encapsulation/Slides/Part1-UML-Code.pptx
@@ -223,7 +223,7 @@
           <a:p>
             <a:fld id="{4F942F4A-6994-3A49-9461-EE810FAF072D}" type="datetimeFigureOut">
               <a:rPr lang="en-US" smtClean="0"/>
-              <a:t>11/22/2022</a:t>
+              <a:t>3/19/2023</a:t>
             </a:fld>
             <a:endParaRPr lang="en-US"/>
           </a:p>
@@ -388,7 +388,7 @@
           <a:p>
             <a:fld id="{11374350-B736-4AC1-A1E7-19777DF1B0E1}" type="datetimeFigureOut">
               <a:rPr lang="en-US" smtClean="0"/>
-              <a:t>11/22/2022</a:t>
+              <a:t>3/19/2023</a:t>
             </a:fld>
             <a:endParaRPr lang="en-US"/>
           </a:p>
@@ -2089,7 +2089,7 @@
           <a:p>
             <a:fld id="{50A519B0-864F-436F-AD10-563B5AD2C023}" type="datetimeFigureOut">
               <a:rPr lang="en-US" smtClean="0"/>
-              <a:t>11/22/2022</a:t>
+              <a:t>3/19/2023</a:t>
             </a:fld>
             <a:endParaRPr lang="en-US"/>
           </a:p>
@@ -2257,7 +2257,7 @@
           <a:p>
             <a:fld id="{50A519B0-864F-436F-AD10-563B5AD2C023}" type="datetimeFigureOut">
               <a:rPr lang="en-US" smtClean="0"/>
-              <a:t>11/22/2022</a:t>
+              <a:t>3/19/2023</a:t>
             </a:fld>
             <a:endParaRPr lang="en-US"/>
           </a:p>
@@ -2435,7 +2435,7 @@
           <a:p>
             <a:fld id="{50A519B0-864F-436F-AD10-563B5AD2C023}" type="datetimeFigureOut">
               <a:rPr lang="en-US" smtClean="0"/>
-              <a:t>11/22/2022</a:t>
+              <a:t>3/19/2023</a:t>
             </a:fld>
             <a:endParaRPr lang="en-US"/>
           </a:p>
@@ -2603,7 +2603,7 @@
           <a:p>
             <a:fld id="{50A519B0-864F-436F-AD10-563B5AD2C023}" type="datetimeFigureOut">
               <a:rPr lang="en-US" smtClean="0"/>
-              <a:t>11/22/2022</a:t>
+              <a:t>3/19/2023</a:t>
             </a:fld>
             <a:endParaRPr lang="en-US"/>
           </a:p>
@@ -2848,7 +2848,7 @@
           <a:p>
             <a:fld id="{50A519B0-864F-436F-AD10-563B5AD2C023}" type="datetimeFigureOut">
               <a:rPr lang="en-US" smtClean="0"/>
-              <a:t>11/22/2022</a:t>
+              <a:t>3/19/2023</a:t>
             </a:fld>
             <a:endParaRPr lang="en-US"/>
           </a:p>
@@ -3133,7 +3133,7 @@
           <a:p>
             <a:fld id="{50A519B0-864F-436F-AD10-563B5AD2C023}" type="datetimeFigureOut">
               <a:rPr lang="en-US" smtClean="0"/>
-              <a:t>11/22/2022</a:t>
+              <a:t>3/19/2023</a:t>
             </a:fld>
             <a:endParaRPr lang="en-US"/>
           </a:p>
@@ -3552,7 +3552,7 @@
           <a:p>
             <a:fld id="{50A519B0-864F-436F-AD10-563B5AD2C023}" type="datetimeFigureOut">
               <a:rPr lang="en-US" smtClean="0"/>
-              <a:t>11/22/2022</a:t>
+              <a:t>3/19/2023</a:t>
             </a:fld>
             <a:endParaRPr lang="en-US"/>
           </a:p>
@@ -3669,7 +3669,7 @@
           <a:p>
             <a:fld id="{50A519B0-864F-436F-AD10-563B5AD2C023}" type="datetimeFigureOut">
               <a:rPr lang="en-US" smtClean="0"/>
-              <a:t>11/22/2022</a:t>
+              <a:t>3/19/2023</a:t>
             </a:fld>
             <a:endParaRPr lang="en-US"/>
           </a:p>
@@ -3764,7 +3764,7 @@
           <a:p>
             <a:fld id="{50A519B0-864F-436F-AD10-563B5AD2C023}" type="datetimeFigureOut">
               <a:rPr lang="en-US" smtClean="0"/>
-              <a:t>11/22/2022</a:t>
+              <a:t>3/19/2023</a:t>
             </a:fld>
             <a:endParaRPr lang="en-US"/>
           </a:p>
@@ -4039,7 +4039,7 @@
           <a:p>
             <a:fld id="{50A519B0-864F-436F-AD10-563B5AD2C023}" type="datetimeFigureOut">
               <a:rPr lang="en-US" smtClean="0"/>
-              <a:t>11/22/2022</a:t>
+              <a:t>3/19/2023</a:t>
             </a:fld>
             <a:endParaRPr lang="en-US"/>
           </a:p>
@@ -4291,7 +4291,7 @@
           <a:p>
             <a:fld id="{50A519B0-864F-436F-AD10-563B5AD2C023}" type="datetimeFigureOut">
               <a:rPr lang="en-US" smtClean="0"/>
-              <a:t>11/22/2022</a:t>
+              <a:t>3/19/2023</a:t>
             </a:fld>
             <a:endParaRPr lang="en-US"/>
           </a:p>
@@ -4502,7 +4502,7 @@
           <a:p>
             <a:fld id="{50A519B0-864F-436F-AD10-563B5AD2C023}" type="datetimeFigureOut">
               <a:rPr lang="en-US" smtClean="0"/>
-              <a:t>11/22/2022</a:t>
+              <a:t>3/19/2023</a:t>
             </a:fld>
             <a:endParaRPr lang="en-US"/>
           </a:p>
@@ -5006,13 +5006,18 @@
           </a:p>
           <a:p>
             <a:r>
-              <a:rPr lang="en-US" sz="4400" dirty="0">
+              <a:rPr lang="en-US" sz="4400" dirty="0" err="1">
                 <a:highlight>
                   <a:srgbClr val="FFFF00"/>
                 </a:highlight>
               </a:rPr>
-              <a:t>__________</a:t>
-            </a:r>
+              <a:t>onejob</a:t>
+            </a:r>
+            <a:endParaRPr lang="en-US" sz="4400" dirty="0">
+              <a:highlight>
+                <a:srgbClr val="FFFF00"/>
+              </a:highlight>
+            </a:endParaRPr>
           </a:p>
         </p:txBody>
       </p:sp>
@@ -9382,21 +9387,6 @@
 </file>
 
 <file path=customXml/item1.xml><?xml version="1.0" encoding="utf-8"?>
-<?mso-contentType ?>
-<FormTemplates xmlns="http://schemas.microsoft.com/sharepoint/v3/contenttype/forms">
-  <Display>DocumentLibraryForm</Display>
-  <Edit>DocumentLibraryForm</Edit>
-  <New>DocumentLibraryForm</New>
-</FormTemplates>
-</file>
-
-<file path=customXml/item2.xml><?xml version="1.0" encoding="utf-8"?>
-<p:properties xmlns:p="http://schemas.microsoft.com/office/2006/metadata/properties" xmlns:xsi="http://www.w3.org/2001/XMLSchema-instance" xmlns:pc="http://schemas.microsoft.com/office/infopath/2007/PartnerControls">
-  <documentManagement/>
-</p:properties>
-</file>
-
-<file path=customXml/item3.xml><?xml version="1.0" encoding="utf-8"?>
 <ct:contentTypeSchema xmlns:ct="http://schemas.microsoft.com/office/2006/metadata/contentType" xmlns:ma="http://schemas.microsoft.com/office/2006/metadata/properties/metaAttributes" ct:_="" ma:_="" ma:contentTypeName="Document" ma:contentTypeID="0x0101001570BCAAD2E4294F9443DCB038A55380" ma:contentTypeVersion="8" ma:contentTypeDescription="Create a new document." ma:contentTypeScope="" ma:versionID="9523c79d6bab9e2ad858b5223ec5ed94">
   <xsd:schema xmlns:xsd="http://www.w3.org/2001/XMLSchema" xmlns:xs="http://www.w3.org/2001/XMLSchema" xmlns:p="http://schemas.microsoft.com/office/2006/metadata/properties" xmlns:ns2="201674f6-2bdd-4f13-ba1e-424e4aa70473" targetNamespace="http://schemas.microsoft.com/office/2006/metadata/properties" ma:root="true" ma:fieldsID="587afc94f70b507ec5be5f4d78229b0b" ns2:_="">
     <xsd:import namespace="201674f6-2bdd-4f13-ba1e-424e4aa70473"/>
@@ -9566,24 +9556,22 @@
 </ct:contentTypeSchema>
 </file>
 
-<file path=customXml/itemProps1.xml><?xml version="1.0" encoding="utf-8"?>
-<ds:datastoreItem xmlns:ds="http://schemas.openxmlformats.org/officeDocument/2006/customXml" ds:itemID="{19D63386-58C0-4AE8-8250-8035951A896A}">
-  <ds:schemaRefs>
-    <ds:schemaRef ds:uri="http://schemas.microsoft.com/sharepoint/v3/contenttype/forms"/>
-  </ds:schemaRefs>
-</ds:datastoreItem>
+<file path=customXml/item2.xml><?xml version="1.0" encoding="utf-8"?>
+<p:properties xmlns:p="http://schemas.microsoft.com/office/2006/metadata/properties" xmlns:xsi="http://www.w3.org/2001/XMLSchema-instance" xmlns:pc="http://schemas.microsoft.com/office/infopath/2007/PartnerControls">
+  <documentManagement/>
+</p:properties>
 </file>
 
-<file path=customXml/itemProps2.xml><?xml version="1.0" encoding="utf-8"?>
-<ds:datastoreItem xmlns:ds="http://schemas.openxmlformats.org/officeDocument/2006/customXml" ds:itemID="{B491038B-BF0E-4A77-87DF-C49EC76AAFA7}">
-  <ds:schemaRefs>
-    <ds:schemaRef ds:uri="http://schemas.microsoft.com/office/2006/metadata/properties"/>
-    <ds:schemaRef ds:uri="http://schemas.microsoft.com/office/infopath/2007/PartnerControls"/>
-  </ds:schemaRefs>
-</ds:datastoreItem>
+<file path=customXml/item3.xml><?xml version="1.0" encoding="utf-8"?>
+<?mso-contentType ?>
+<FormTemplates xmlns="http://schemas.microsoft.com/sharepoint/v3/contenttype/forms">
+  <Display>DocumentLibraryForm</Display>
+  <Edit>DocumentLibraryForm</Edit>
+  <New>DocumentLibraryForm</New>
+</FormTemplates>
 </file>
 
-<file path=customXml/itemProps3.xml><?xml version="1.0" encoding="utf-8"?>
+<file path=customXml/itemProps1.xml><?xml version="1.0" encoding="utf-8"?>
 <ds:datastoreItem xmlns:ds="http://schemas.openxmlformats.org/officeDocument/2006/customXml" ds:itemID="{7F299FFE-3069-4F75-8FB8-7719DBB46517}">
   <ds:schemaRefs>
     <ds:schemaRef ds:uri="http://schemas.microsoft.com/office/2006/metadata/contentType"/>
@@ -9599,4 +9587,21 @@
     <ds:schemaRef ds:uri="http://schemas.microsoft.com/internal/obd"/>
   </ds:schemaRefs>
 </ds:datastoreItem>
+</file>
+
+<file path=customXml/itemProps2.xml><?xml version="1.0" encoding="utf-8"?>
+<ds:datastoreItem xmlns:ds="http://schemas.openxmlformats.org/officeDocument/2006/customXml" ds:itemID="{B491038B-BF0E-4A77-87DF-C49EC76AAFA7}">
+  <ds:schemaRefs>
+    <ds:schemaRef ds:uri="http://schemas.microsoft.com/office/2006/metadata/properties"/>
+    <ds:schemaRef ds:uri="http://schemas.microsoft.com/office/infopath/2007/PartnerControls"/>
+  </ds:schemaRefs>
+</ds:datastoreItem>
+</file>
+
+<file path=customXml/itemProps3.xml><?xml version="1.0" encoding="utf-8"?>
+<ds:datastoreItem xmlns:ds="http://schemas.openxmlformats.org/officeDocument/2006/customXml" ds:itemID="{19D63386-58C0-4AE8-8250-8035951A896A}">
+  <ds:schemaRefs>
+    <ds:schemaRef ds:uri="http://schemas.microsoft.com/sharepoint/v3/contenttype/forms"/>
+  </ds:schemaRefs>
+</ds:datastoreItem>
 </file>
--- a/ClassMaterials/Encapsulation/Slides/Part1-UML-Code.pptx
+++ b/ClassMaterials/Encapsulation/Slides/Part1-UML-Code.pptx
@@ -141,6 +141,43 @@
 </p:cmAuthorLst>
 </file>
 
+<file path=ppt/changesInfos/changesInfo1.xml><?xml version="1.0" encoding="utf-8"?>
+<pc:chgInfo xmlns:a="http://schemas.openxmlformats.org/drawingml/2006/main" xmlns:r="http://schemas.openxmlformats.org/officeDocument/2006/relationships" xmlns:ac="http://schemas.microsoft.com/office/drawing/2013/main/command" xmlns:pc="http://schemas.microsoft.com/office/powerpoint/2013/main/command">
+  <pc:docChgLst>
+    <pc:chgData name="Yoder, Jason" userId="28f4d4d8-da04-4f86-b14d-a21675737bc5" providerId="ADAL" clId="{154D3117-1E21-4E36-A5AA-FF8993294265}"/>
+    <pc:docChg chg="modSld">
+      <pc:chgData name="Yoder, Jason" userId="28f4d4d8-da04-4f86-b14d-a21675737bc5" providerId="ADAL" clId="{154D3117-1E21-4E36-A5AA-FF8993294265}" dt="2023-09-13T20:07:19.141" v="11" actId="1076"/>
+      <pc:docMkLst>
+        <pc:docMk/>
+      </pc:docMkLst>
+      <pc:sldChg chg="addSp modSp mod">
+        <pc:chgData name="Yoder, Jason" userId="28f4d4d8-da04-4f86-b14d-a21675737bc5" providerId="ADAL" clId="{154D3117-1E21-4E36-A5AA-FF8993294265}" dt="2023-09-13T20:07:19.141" v="11" actId="1076"/>
+        <pc:sldMkLst>
+          <pc:docMk/>
+          <pc:sldMk cId="3205359590" sldId="284"/>
+        </pc:sldMkLst>
+        <pc:spChg chg="mod">
+          <ac:chgData name="Yoder, Jason" userId="28f4d4d8-da04-4f86-b14d-a21675737bc5" providerId="ADAL" clId="{154D3117-1E21-4E36-A5AA-FF8993294265}" dt="2023-09-03T17:45:33.877" v="7" actId="20577"/>
+          <ac:spMkLst>
+            <pc:docMk/>
+            <pc:sldMk cId="3205359590" sldId="284"/>
+            <ac:spMk id="3" creationId="{A9367514-884D-E2DB-D7C1-8927241ADF48}"/>
+          </ac:spMkLst>
+        </pc:spChg>
+        <pc:picChg chg="add mod">
+          <ac:chgData name="Yoder, Jason" userId="28f4d4d8-da04-4f86-b14d-a21675737bc5" providerId="ADAL" clId="{154D3117-1E21-4E36-A5AA-FF8993294265}" dt="2023-09-13T20:07:19.141" v="11" actId="1076"/>
+          <ac:picMkLst>
+            <pc:docMk/>
+            <pc:sldMk cId="3205359590" sldId="284"/>
+            <ac:picMk id="7" creationId="{4657845C-2492-738D-9473-F5A871E02137}"/>
+          </ac:picMkLst>
+        </pc:picChg>
+      </pc:sldChg>
+    </pc:docChg>
+  </pc:docChgLst>
+</pc:chgInfo>
+</file>
+
 <file path=ppt/handoutMasters/handoutMaster1.xml><?xml version="1.0" encoding="utf-8"?>
 <p:handoutMaster xmlns:a="http://schemas.openxmlformats.org/drawingml/2006/main" xmlns:r="http://schemas.openxmlformats.org/officeDocument/2006/relationships" xmlns:p="http://schemas.openxmlformats.org/presentationml/2006/main">
   <p:cSld>
@@ -223,7 +260,7 @@
           <a:p>
             <a:fld id="{4F942F4A-6994-3A49-9461-EE810FAF072D}" type="datetimeFigureOut">
               <a:rPr lang="en-US" smtClean="0"/>
-              <a:t>3/19/2023</a:t>
+              <a:t>9/13/2023</a:t>
             </a:fld>
             <a:endParaRPr lang="en-US"/>
           </a:p>
@@ -388,7 +425,7 @@
           <a:p>
             <a:fld id="{11374350-B736-4AC1-A1E7-19777DF1B0E1}" type="datetimeFigureOut">
               <a:rPr lang="en-US" smtClean="0"/>
-              <a:t>3/19/2023</a:t>
+              <a:t>9/13/2023</a:t>
             </a:fld>
             <a:endParaRPr lang="en-US"/>
           </a:p>
@@ -2089,7 +2126,7 @@
           <a:p>
             <a:fld id="{50A519B0-864F-436F-AD10-563B5AD2C023}" type="datetimeFigureOut">
               <a:rPr lang="en-US" smtClean="0"/>
-              <a:t>3/19/2023</a:t>
+              <a:t>9/13/2023</a:t>
             </a:fld>
             <a:endParaRPr lang="en-US"/>
           </a:p>
@@ -2257,7 +2294,7 @@
           <a:p>
             <a:fld id="{50A519B0-864F-436F-AD10-563B5AD2C023}" type="datetimeFigureOut">
               <a:rPr lang="en-US" smtClean="0"/>
-              <a:t>3/19/2023</a:t>
+              <a:t>9/13/2023</a:t>
             </a:fld>
             <a:endParaRPr lang="en-US"/>
           </a:p>
@@ -2435,7 +2472,7 @@
           <a:p>
             <a:fld id="{50A519B0-864F-436F-AD10-563B5AD2C023}" type="datetimeFigureOut">
               <a:rPr lang="en-US" smtClean="0"/>
-              <a:t>3/19/2023</a:t>
+              <a:t>9/13/2023</a:t>
             </a:fld>
             <a:endParaRPr lang="en-US"/>
           </a:p>
@@ -2603,7 +2640,7 @@
           <a:p>
             <a:fld id="{50A519B0-864F-436F-AD10-563B5AD2C023}" type="datetimeFigureOut">
               <a:rPr lang="en-US" smtClean="0"/>
-              <a:t>3/19/2023</a:t>
+              <a:t>9/13/2023</a:t>
             </a:fld>
             <a:endParaRPr lang="en-US"/>
           </a:p>
@@ -2848,7 +2885,7 @@
           <a:p>
             <a:fld id="{50A519B0-864F-436F-AD10-563B5AD2C023}" type="datetimeFigureOut">
               <a:rPr lang="en-US" smtClean="0"/>
-              <a:t>3/19/2023</a:t>
+              <a:t>9/13/2023</a:t>
             </a:fld>
             <a:endParaRPr lang="en-US"/>
           </a:p>
@@ -3133,7 +3170,7 @@
           <a:p>
             <a:fld id="{50A519B0-864F-436F-AD10-563B5AD2C023}" type="datetimeFigureOut">
               <a:rPr lang="en-US" smtClean="0"/>
-              <a:t>3/19/2023</a:t>
+              <a:t>9/13/2023</a:t>
             </a:fld>
             <a:endParaRPr lang="en-US"/>
           </a:p>
@@ -3552,7 +3589,7 @@
           <a:p>
             <a:fld id="{50A519B0-864F-436F-AD10-563B5AD2C023}" type="datetimeFigureOut">
               <a:rPr lang="en-US" smtClean="0"/>
-              <a:t>3/19/2023</a:t>
+              <a:t>9/13/2023</a:t>
             </a:fld>
             <a:endParaRPr lang="en-US"/>
           </a:p>
@@ -3669,7 +3706,7 @@
           <a:p>
             <a:fld id="{50A519B0-864F-436F-AD10-563B5AD2C023}" type="datetimeFigureOut">
               <a:rPr lang="en-US" smtClean="0"/>
-              <a:t>3/19/2023</a:t>
+              <a:t>9/13/2023</a:t>
             </a:fld>
             <a:endParaRPr lang="en-US"/>
           </a:p>
@@ -3764,7 +3801,7 @@
           <a:p>
             <a:fld id="{50A519B0-864F-436F-AD10-563B5AD2C023}" type="datetimeFigureOut">
               <a:rPr lang="en-US" smtClean="0"/>
-              <a:t>3/19/2023</a:t>
+              <a:t>9/13/2023</a:t>
             </a:fld>
             <a:endParaRPr lang="en-US"/>
           </a:p>
@@ -4039,7 +4076,7 @@
           <a:p>
             <a:fld id="{50A519B0-864F-436F-AD10-563B5AD2C023}" type="datetimeFigureOut">
               <a:rPr lang="en-US" smtClean="0"/>
-              <a:t>3/19/2023</a:t>
+              <a:t>9/13/2023</a:t>
             </a:fld>
             <a:endParaRPr lang="en-US"/>
           </a:p>
@@ -4291,7 +4328,7 @@
           <a:p>
             <a:fld id="{50A519B0-864F-436F-AD10-563B5AD2C023}" type="datetimeFigureOut">
               <a:rPr lang="en-US" smtClean="0"/>
-              <a:t>3/19/2023</a:t>
+              <a:t>9/13/2023</a:t>
             </a:fld>
             <a:endParaRPr lang="en-US"/>
           </a:p>
@@ -4502,7 +4539,7 @@
           <a:p>
             <a:fld id="{50A519B0-864F-436F-AD10-563B5AD2C023}" type="datetimeFigureOut">
               <a:rPr lang="en-US" smtClean="0"/>
-              <a:t>3/19/2023</a:t>
+              <a:t>9/13/2023</a:t>
             </a:fld>
             <a:endParaRPr lang="en-US"/>
           </a:p>
@@ -5011,7 +5048,7 @@
                   <a:srgbClr val="FFFF00"/>
                 </a:highlight>
               </a:rPr>
-              <a:t>onejob</a:t>
+              <a:t>oneclassonejob</a:t>
             </a:r>
             <a:endParaRPr lang="en-US" sz="4400" dirty="0">
               <a:highlight>
@@ -5139,6 +5176,36 @@
           </a:p>
         </p:txBody>
       </p:sp>
+      <p:pic>
+        <p:nvPicPr>
+          <p:cNvPr id="7" name="Picture 6">
+            <a:extLst>
+              <a:ext uri="{FF2B5EF4-FFF2-40B4-BE49-F238E27FC236}">
+                <a16:creationId xmlns:a16="http://schemas.microsoft.com/office/drawing/2014/main" id="{4657845C-2492-738D-9473-F5A871E02137}"/>
+              </a:ext>
+            </a:extLst>
+          </p:cNvPr>
+          <p:cNvPicPr>
+            <a:picLocks noChangeAspect="1"/>
+          </p:cNvPicPr>
+          <p:nvPr/>
+        </p:nvPicPr>
+        <p:blipFill>
+          <a:blip r:embed="rId4"/>
+          <a:stretch>
+            <a:fillRect/>
+          </a:stretch>
+        </p:blipFill>
+        <p:spPr>
+          <a:xfrm>
+            <a:off x="0" y="1178122"/>
+            <a:ext cx="5181600" cy="873922"/>
+          </a:xfrm>
+          <a:prstGeom prst="rect">
+            <a:avLst/>
+          </a:prstGeom>
+        </p:spPr>
+      </p:pic>
     </p:spTree>
     <p:extLst>
       <p:ext uri="{BB962C8B-B14F-4D97-AF65-F5344CB8AC3E}">

--- a/ClassMaterials/Encapsulation/Slides/Part1-UML-Code.pptx
+++ b/ClassMaterials/Encapsulation/Slides/Part1-UML-Code.pptx
@@ -141,43 +141,6 @@
 </p:cmAuthorLst>
 </file>
 
-<file path=ppt/changesInfos/changesInfo1.xml><?xml version="1.0" encoding="utf-8"?>
-<pc:chgInfo xmlns:a="http://schemas.openxmlformats.org/drawingml/2006/main" xmlns:r="http://schemas.openxmlformats.org/officeDocument/2006/relationships" xmlns:ac="http://schemas.microsoft.com/office/drawing/2013/main/command" xmlns:pc="http://schemas.microsoft.com/office/powerpoint/2013/main/command">
-  <pc:docChgLst>
-    <pc:chgData name="Yoder, Jason" userId="28f4d4d8-da04-4f86-b14d-a21675737bc5" providerId="ADAL" clId="{154D3117-1E21-4E36-A5AA-FF8993294265}"/>
-    <pc:docChg chg="modSld">
-      <pc:chgData name="Yoder, Jason" userId="28f4d4d8-da04-4f86-b14d-a21675737bc5" providerId="ADAL" clId="{154D3117-1E21-4E36-A5AA-FF8993294265}" dt="2023-09-13T20:07:19.141" v="11" actId="1076"/>
-      <pc:docMkLst>
-        <pc:docMk/>
-      </pc:docMkLst>
-      <pc:sldChg chg="addSp modSp mod">
-        <pc:chgData name="Yoder, Jason" userId="28f4d4d8-da04-4f86-b14d-a21675737bc5" providerId="ADAL" clId="{154D3117-1E21-4E36-A5AA-FF8993294265}" dt="2023-09-13T20:07:19.141" v="11" actId="1076"/>
-        <pc:sldMkLst>
-          <pc:docMk/>
-          <pc:sldMk cId="3205359590" sldId="284"/>
-        </pc:sldMkLst>
-        <pc:spChg chg="mod">
-          <ac:chgData name="Yoder, Jason" userId="28f4d4d8-da04-4f86-b14d-a21675737bc5" providerId="ADAL" clId="{154D3117-1E21-4E36-A5AA-FF8993294265}" dt="2023-09-03T17:45:33.877" v="7" actId="20577"/>
-          <ac:spMkLst>
-            <pc:docMk/>
-            <pc:sldMk cId="3205359590" sldId="284"/>
-            <ac:spMk id="3" creationId="{A9367514-884D-E2DB-D7C1-8927241ADF48}"/>
-          </ac:spMkLst>
-        </pc:spChg>
-        <pc:picChg chg="add mod">
-          <ac:chgData name="Yoder, Jason" userId="28f4d4d8-da04-4f86-b14d-a21675737bc5" providerId="ADAL" clId="{154D3117-1E21-4E36-A5AA-FF8993294265}" dt="2023-09-13T20:07:19.141" v="11" actId="1076"/>
-          <ac:picMkLst>
-            <pc:docMk/>
-            <pc:sldMk cId="3205359590" sldId="284"/>
-            <ac:picMk id="7" creationId="{4657845C-2492-738D-9473-F5A871E02137}"/>
-          </ac:picMkLst>
-        </pc:picChg>
-      </pc:sldChg>
-    </pc:docChg>
-  </pc:docChgLst>
-</pc:chgInfo>
-</file>
-
 <file path=ppt/handoutMasters/handoutMaster1.xml><?xml version="1.0" encoding="utf-8"?>
 <p:handoutMaster xmlns:a="http://schemas.openxmlformats.org/drawingml/2006/main" xmlns:r="http://schemas.openxmlformats.org/officeDocument/2006/relationships" xmlns:p="http://schemas.openxmlformats.org/presentationml/2006/main">
   <p:cSld>
@@ -260,7 +223,7 @@
           <a:p>
             <a:fld id="{4F942F4A-6994-3A49-9461-EE810FAF072D}" type="datetimeFigureOut">
               <a:rPr lang="en-US" smtClean="0"/>
-              <a:t>9/13/2023</a:t>
+              <a:t>3/19/2023</a:t>
             </a:fld>
             <a:endParaRPr lang="en-US"/>
           </a:p>
@@ -425,7 +388,7 @@
           <a:p>
             <a:fld id="{11374350-B736-4AC1-A1E7-19777DF1B0E1}" type="datetimeFigureOut">
               <a:rPr lang="en-US" smtClean="0"/>
-              <a:t>9/13/2023</a:t>
+              <a:t>3/19/2023</a:t>
             </a:fld>
             <a:endParaRPr lang="en-US"/>
           </a:p>
@@ -2126,7 +2089,7 @@
           <a:p>
             <a:fld id="{50A519B0-864F-436F-AD10-563B5AD2C023}" type="datetimeFigureOut">
               <a:rPr lang="en-US" smtClean="0"/>
-              <a:t>9/13/2023</a:t>
+              <a:t>3/19/2023</a:t>
             </a:fld>
             <a:endParaRPr lang="en-US"/>
           </a:p>
@@ -2294,7 +2257,7 @@
           <a:p>
             <a:fld id="{50A519B0-864F-436F-AD10-563B5AD2C023}" type="datetimeFigureOut">
               <a:rPr lang="en-US" smtClean="0"/>
-              <a:t>9/13/2023</a:t>
+              <a:t>3/19/2023</a:t>
             </a:fld>
             <a:endParaRPr lang="en-US"/>
           </a:p>
@@ -2472,7 +2435,7 @@
           <a:p>
             <a:fld id="{50A519B0-864F-436F-AD10-563B5AD2C023}" type="datetimeFigureOut">
               <a:rPr lang="en-US" smtClean="0"/>
-              <a:t>9/13/2023</a:t>
+              <a:t>3/19/2023</a:t>
             </a:fld>
             <a:endParaRPr lang="en-US"/>
           </a:p>
@@ -2640,7 +2603,7 @@
           <a:p>
             <a:fld id="{50A519B0-864F-436F-AD10-563B5AD2C023}" type="datetimeFigureOut">
               <a:rPr lang="en-US" smtClean="0"/>
-              <a:t>9/13/2023</a:t>
+              <a:t>3/19/2023</a:t>
             </a:fld>
             <a:endParaRPr lang="en-US"/>
           </a:p>
@@ -2885,7 +2848,7 @@
           <a:p>
             <a:fld id="{50A519B0-864F-436F-AD10-563B5AD2C023}" type="datetimeFigureOut">
               <a:rPr lang="en-US" smtClean="0"/>
-              <a:t>9/13/2023</a:t>
+              <a:t>3/19/2023</a:t>
             </a:fld>
             <a:endParaRPr lang="en-US"/>
           </a:p>
@@ -3170,7 +3133,7 @@
           <a:p>
             <a:fld id="{50A519B0-864F-436F-AD10-563B5AD2C023}" type="datetimeFigureOut">
               <a:rPr lang="en-US" smtClean="0"/>
-              <a:t>9/13/2023</a:t>
+              <a:t>3/19/2023</a:t>
             </a:fld>
             <a:endParaRPr lang="en-US"/>
           </a:p>
@@ -3589,7 +3552,7 @@
           <a:p>
             <a:fld id="{50A519B0-864F-436F-AD10-563B5AD2C023}" type="datetimeFigureOut">
               <a:rPr lang="en-US" smtClean="0"/>
-              <a:t>9/13/2023</a:t>
+              <a:t>3/19/2023</a:t>
             </a:fld>
             <a:endParaRPr lang="en-US"/>
           </a:p>
@@ -3706,7 +3669,7 @@
           <a:p>
             <a:fld id="{50A519B0-864F-436F-AD10-563B5AD2C023}" type="datetimeFigureOut">
               <a:rPr lang="en-US" smtClean="0"/>
-              <a:t>9/13/2023</a:t>
+              <a:t>3/19/2023</a:t>
             </a:fld>
             <a:endParaRPr lang="en-US"/>
           </a:p>
@@ -3801,7 +3764,7 @@
           <a:p>
             <a:fld id="{50A519B0-864F-436F-AD10-563B5AD2C023}" type="datetimeFigureOut">
               <a:rPr lang="en-US" smtClean="0"/>
-              <a:t>9/13/2023</a:t>
+              <a:t>3/19/2023</a:t>
             </a:fld>
             <a:endParaRPr lang="en-US"/>
           </a:p>
@@ -4076,7 +4039,7 @@
           <a:p>
             <a:fld id="{50A519B0-864F-436F-AD10-563B5AD2C023}" type="datetimeFigureOut">
               <a:rPr lang="en-US" smtClean="0"/>
-              <a:t>9/13/2023</a:t>
+              <a:t>3/19/2023</a:t>
             </a:fld>
             <a:endParaRPr lang="en-US"/>
           </a:p>
@@ -4328,7 +4291,7 @@
           <a:p>
             <a:fld id="{50A519B0-864F-436F-AD10-563B5AD2C023}" type="datetimeFigureOut">
               <a:rPr lang="en-US" smtClean="0"/>
-              <a:t>9/13/2023</a:t>
+              <a:t>3/19/2023</a:t>
             </a:fld>
             <a:endParaRPr lang="en-US"/>
           </a:p>
@@ -4539,7 +4502,7 @@
           <a:p>
             <a:fld id="{50A519B0-864F-436F-AD10-563B5AD2C023}" type="datetimeFigureOut">
               <a:rPr lang="en-US" smtClean="0"/>
-              <a:t>9/13/2023</a:t>
+              <a:t>3/19/2023</a:t>
             </a:fld>
             <a:endParaRPr lang="en-US"/>
           </a:p>
@@ -5048,7 +5011,7 @@
                   <a:srgbClr val="FFFF00"/>
                 </a:highlight>
               </a:rPr>
-              <a:t>oneclassonejob</a:t>
+              <a:t>onejob</a:t>
             </a:r>
             <a:endParaRPr lang="en-US" sz="4400" dirty="0">
               <a:highlight>
@@ -5176,36 +5139,6 @@
           </a:p>
         </p:txBody>
       </p:sp>
-      <p:pic>
-        <p:nvPicPr>
-          <p:cNvPr id="7" name="Picture 6">
-            <a:extLst>
-              <a:ext uri="{FF2B5EF4-FFF2-40B4-BE49-F238E27FC236}">
-                <a16:creationId xmlns:a16="http://schemas.microsoft.com/office/drawing/2014/main" id="{4657845C-2492-738D-9473-F5A871E02137}"/>
-              </a:ext>
-            </a:extLst>
-          </p:cNvPr>
-          <p:cNvPicPr>
-            <a:picLocks noChangeAspect="1"/>
-          </p:cNvPicPr>
-          <p:nvPr/>
-        </p:nvPicPr>
-        <p:blipFill>
-          <a:blip r:embed="rId4"/>
-          <a:stretch>
-            <a:fillRect/>
-          </a:stretch>
-        </p:blipFill>
-        <p:spPr>
-          <a:xfrm>
-            <a:off x="0" y="1178122"/>
-            <a:ext cx="5181600" cy="873922"/>
-          </a:xfrm>
-          <a:prstGeom prst="rect">
-            <a:avLst/>
-          </a:prstGeom>
-        </p:spPr>
-      </p:pic>
     </p:spTree>
     <p:extLst>
       <p:ext uri="{BB962C8B-B14F-4D97-AF65-F5344CB8AC3E}">

--- a/ClassMaterials/Encapsulation/Slides/Part1-UML-Code.pptx
+++ b/ClassMaterials/Encapsulation/Slides/Part1-UML-Code.pptx
@@ -223,7 +223,7 @@
           <a:p>
             <a:fld id="{4F942F4A-6994-3A49-9461-EE810FAF072D}" type="datetimeFigureOut">
               <a:rPr lang="en-US" smtClean="0"/>
-              <a:t>3/19/2023</a:t>
+              <a:t>2/25/2024</a:t>
             </a:fld>
             <a:endParaRPr lang="en-US"/>
           </a:p>
@@ -388,7 +388,7 @@
           <a:p>
             <a:fld id="{11374350-B736-4AC1-A1E7-19777DF1B0E1}" type="datetimeFigureOut">
               <a:rPr lang="en-US" smtClean="0"/>
-              <a:t>3/19/2023</a:t>
+              <a:t>2/25/2024</a:t>
             </a:fld>
             <a:endParaRPr lang="en-US"/>
           </a:p>
@@ -2089,7 +2089,7 @@
           <a:p>
             <a:fld id="{50A519B0-864F-436F-AD10-563B5AD2C023}" type="datetimeFigureOut">
               <a:rPr lang="en-US" smtClean="0"/>
-              <a:t>3/19/2023</a:t>
+              <a:t>2/25/2024</a:t>
             </a:fld>
             <a:endParaRPr lang="en-US"/>
           </a:p>
@@ -2257,7 +2257,7 @@
           <a:p>
             <a:fld id="{50A519B0-864F-436F-AD10-563B5AD2C023}" type="datetimeFigureOut">
               <a:rPr lang="en-US" smtClean="0"/>
-              <a:t>3/19/2023</a:t>
+              <a:t>2/25/2024</a:t>
             </a:fld>
             <a:endParaRPr lang="en-US"/>
           </a:p>
@@ -2435,7 +2435,7 @@
           <a:p>
             <a:fld id="{50A519B0-864F-436F-AD10-563B5AD2C023}" type="datetimeFigureOut">
               <a:rPr lang="en-US" smtClean="0"/>
-              <a:t>3/19/2023</a:t>
+              <a:t>2/25/2024</a:t>
             </a:fld>
             <a:endParaRPr lang="en-US"/>
           </a:p>
@@ -2603,7 +2603,7 @@
           <a:p>
             <a:fld id="{50A519B0-864F-436F-AD10-563B5AD2C023}" type="datetimeFigureOut">
               <a:rPr lang="en-US" smtClean="0"/>
-              <a:t>3/19/2023</a:t>
+              <a:t>2/25/2024</a:t>
             </a:fld>
             <a:endParaRPr lang="en-US"/>
           </a:p>
@@ -2848,7 +2848,7 @@
           <a:p>
             <a:fld id="{50A519B0-864F-436F-AD10-563B5AD2C023}" type="datetimeFigureOut">
               <a:rPr lang="en-US" smtClean="0"/>
-              <a:t>3/19/2023</a:t>
+              <a:t>2/25/2024</a:t>
             </a:fld>
             <a:endParaRPr lang="en-US"/>
           </a:p>
@@ -3133,7 +3133,7 @@
           <a:p>
             <a:fld id="{50A519B0-864F-436F-AD10-563B5AD2C023}" type="datetimeFigureOut">
               <a:rPr lang="en-US" smtClean="0"/>
-              <a:t>3/19/2023</a:t>
+              <a:t>2/25/2024</a:t>
             </a:fld>
             <a:endParaRPr lang="en-US"/>
           </a:p>
@@ -3552,7 +3552,7 @@
           <a:p>
             <a:fld id="{50A519B0-864F-436F-AD10-563B5AD2C023}" type="datetimeFigureOut">
               <a:rPr lang="en-US" smtClean="0"/>
-              <a:t>3/19/2023</a:t>
+              <a:t>2/25/2024</a:t>
             </a:fld>
             <a:endParaRPr lang="en-US"/>
           </a:p>
@@ -3669,7 +3669,7 @@
           <a:p>
             <a:fld id="{50A519B0-864F-436F-AD10-563B5AD2C023}" type="datetimeFigureOut">
               <a:rPr lang="en-US" smtClean="0"/>
-              <a:t>3/19/2023</a:t>
+              <a:t>2/25/2024</a:t>
             </a:fld>
             <a:endParaRPr lang="en-US"/>
           </a:p>
@@ -3764,7 +3764,7 @@
           <a:p>
             <a:fld id="{50A519B0-864F-436F-AD10-563B5AD2C023}" type="datetimeFigureOut">
               <a:rPr lang="en-US" smtClean="0"/>
-              <a:t>3/19/2023</a:t>
+              <a:t>2/25/2024</a:t>
             </a:fld>
             <a:endParaRPr lang="en-US"/>
           </a:p>
@@ -4039,7 +4039,7 @@
           <a:p>
             <a:fld id="{50A519B0-864F-436F-AD10-563B5AD2C023}" type="datetimeFigureOut">
               <a:rPr lang="en-US" smtClean="0"/>
-              <a:t>3/19/2023</a:t>
+              <a:t>2/25/2024</a:t>
             </a:fld>
             <a:endParaRPr lang="en-US"/>
           </a:p>
@@ -4291,7 +4291,7 @@
           <a:p>
             <a:fld id="{50A519B0-864F-436F-AD10-563B5AD2C023}" type="datetimeFigureOut">
               <a:rPr lang="en-US" smtClean="0"/>
-              <a:t>3/19/2023</a:t>
+              <a:t>2/25/2024</a:t>
             </a:fld>
             <a:endParaRPr lang="en-US"/>
           </a:p>
@@ -4502,7 +4502,7 @@
           <a:p>
             <a:fld id="{50A519B0-864F-436F-AD10-563B5AD2C023}" type="datetimeFigureOut">
               <a:rPr lang="en-US" smtClean="0"/>
-              <a:t>3/19/2023</a:t>
+              <a:t>2/25/2024</a:t>
             </a:fld>
             <a:endParaRPr lang="en-US"/>
           </a:p>
@@ -5006,18 +5006,13 @@
           </a:p>
           <a:p>
             <a:r>
-              <a:rPr lang="en-US" sz="4400" dirty="0" err="1">
+              <a:rPr lang="en-US" sz="4400" dirty="0">
                 <a:highlight>
                   <a:srgbClr val="FFFF00"/>
                 </a:highlight>
               </a:rPr>
-              <a:t>onejob</a:t>
-            </a:r>
-            <a:endParaRPr lang="en-US" sz="4400" dirty="0">
-              <a:highlight>
-                <a:srgbClr val="FFFF00"/>
-              </a:highlight>
-            </a:endParaRPr>
+              <a:t>____________</a:t>
+            </a:r>
           </a:p>
         </p:txBody>
       </p:sp>
@@ -5134,6 +5129,24 @@
                 </a:solidFill>
               </a:rPr>
               <a:t> ready!</a:t>
+            </a:r>
+          </a:p>
+          <a:p>
+            <a:r>
+              <a:rPr lang="en-US" sz="2400" dirty="0">
+                <a:solidFill>
+                  <a:srgbClr val="FFFFFF"/>
+                </a:solidFill>
+              </a:rPr>
+              <a:t>Quiz: </a:t>
+            </a:r>
+            <a:r>
+              <a:rPr lang="en-US" sz="2400" i="1" dirty="0" err="1">
+                <a:solidFill>
+                  <a:srgbClr val="FFFFFF"/>
+                </a:solidFill>
+              </a:rPr>
+              <a:t>EncapsulationQuiz</a:t>
             </a:r>
             <a:endParaRPr lang="en-US" sz="2400" i="1" dirty="0"/>
           </a:p>
@@ -9557,18 +9570,18 @@
 </file>
 
 <file path=customXml/item2.xml><?xml version="1.0" encoding="utf-8"?>
-<p:properties xmlns:p="http://schemas.microsoft.com/office/2006/metadata/properties" xmlns:xsi="http://www.w3.org/2001/XMLSchema-instance" xmlns:pc="http://schemas.microsoft.com/office/infopath/2007/PartnerControls">
-  <documentManagement/>
-</p:properties>
-</file>
-
-<file path=customXml/item3.xml><?xml version="1.0" encoding="utf-8"?>
 <?mso-contentType ?>
 <FormTemplates xmlns="http://schemas.microsoft.com/sharepoint/v3/contenttype/forms">
   <Display>DocumentLibraryForm</Display>
   <Edit>DocumentLibraryForm</Edit>
   <New>DocumentLibraryForm</New>
 </FormTemplates>
+</file>
+
+<file path=customXml/item3.xml><?xml version="1.0" encoding="utf-8"?>
+<p:properties xmlns:p="http://schemas.microsoft.com/office/2006/metadata/properties" xmlns:xsi="http://www.w3.org/2001/XMLSchema-instance" xmlns:pc="http://schemas.microsoft.com/office/infopath/2007/PartnerControls">
+  <documentManagement/>
+</p:properties>
 </file>
 
 <file path=customXml/itemProps1.xml><?xml version="1.0" encoding="utf-8"?>
@@ -9590,18 +9603,18 @@
 </file>
 
 <file path=customXml/itemProps2.xml><?xml version="1.0" encoding="utf-8"?>
+<ds:datastoreItem xmlns:ds="http://schemas.openxmlformats.org/officeDocument/2006/customXml" ds:itemID="{19D63386-58C0-4AE8-8250-8035951A896A}">
+  <ds:schemaRefs>
+    <ds:schemaRef ds:uri="http://schemas.microsoft.com/sharepoint/v3/contenttype/forms"/>
+  </ds:schemaRefs>
+</ds:datastoreItem>
+</file>
+
+<file path=customXml/itemProps3.xml><?xml version="1.0" encoding="utf-8"?>
 <ds:datastoreItem xmlns:ds="http://schemas.openxmlformats.org/officeDocument/2006/customXml" ds:itemID="{B491038B-BF0E-4A77-87DF-C49EC76AAFA7}">
   <ds:schemaRefs>
     <ds:schemaRef ds:uri="http://schemas.microsoft.com/office/2006/metadata/properties"/>
     <ds:schemaRef ds:uri="http://schemas.microsoft.com/office/infopath/2007/PartnerControls"/>
   </ds:schemaRefs>
 </ds:datastoreItem>
-</file>
-
-<file path=customXml/itemProps3.xml><?xml version="1.0" encoding="utf-8"?>
-<ds:datastoreItem xmlns:ds="http://schemas.openxmlformats.org/officeDocument/2006/customXml" ds:itemID="{19D63386-58C0-4AE8-8250-8035951A896A}">
-  <ds:schemaRefs>
-    <ds:schemaRef ds:uri="http://schemas.microsoft.com/sharepoint/v3/contenttype/forms"/>
-  </ds:schemaRefs>
-</ds:datastoreItem>
 </file>
--- a/ClassMaterials/Encapsulation/Slides/Part1-UML-Code.pptx
+++ b/ClassMaterials/Encapsulation/Slides/Part1-UML-Code.pptx
@@ -223,7 +223,7 @@
           <a:p>
             <a:fld id="{4F942F4A-6994-3A49-9461-EE810FAF072D}" type="datetimeFigureOut">
               <a:rPr lang="en-US" smtClean="0"/>
-              <a:t>2/25/2024</a:t>
+              <a:t>4/21/2025</a:t>
             </a:fld>
             <a:endParaRPr lang="en-US"/>
           </a:p>
@@ -388,7 +388,7 @@
           <a:p>
             <a:fld id="{11374350-B736-4AC1-A1E7-19777DF1B0E1}" type="datetimeFigureOut">
               <a:rPr lang="en-US" smtClean="0"/>
-              <a:t>2/25/2024</a:t>
+              <a:t>4/21/2025</a:t>
             </a:fld>
             <a:endParaRPr lang="en-US"/>
           </a:p>
@@ -2089,7 +2089,7 @@
           <a:p>
             <a:fld id="{50A519B0-864F-436F-AD10-563B5AD2C023}" type="datetimeFigureOut">
               <a:rPr lang="en-US" smtClean="0"/>
-              <a:t>2/25/2024</a:t>
+              <a:t>4/21/2025</a:t>
             </a:fld>
             <a:endParaRPr lang="en-US"/>
           </a:p>
@@ -2257,7 +2257,7 @@
           <a:p>
             <a:fld id="{50A519B0-864F-436F-AD10-563B5AD2C023}" type="datetimeFigureOut">
               <a:rPr lang="en-US" smtClean="0"/>
-              <a:t>2/25/2024</a:t>
+              <a:t>4/21/2025</a:t>
             </a:fld>
             <a:endParaRPr lang="en-US"/>
           </a:p>
@@ -2435,7 +2435,7 @@
           <a:p>
             <a:fld id="{50A519B0-864F-436F-AD10-563B5AD2C023}" type="datetimeFigureOut">
               <a:rPr lang="en-US" smtClean="0"/>
-              <a:t>2/25/2024</a:t>
+              <a:t>4/21/2025</a:t>
             </a:fld>
             <a:endParaRPr lang="en-US"/>
           </a:p>
@@ -2603,7 +2603,7 @@
           <a:p>
             <a:fld id="{50A519B0-864F-436F-AD10-563B5AD2C023}" type="datetimeFigureOut">
               <a:rPr lang="en-US" smtClean="0"/>
-              <a:t>2/25/2024</a:t>
+              <a:t>4/21/2025</a:t>
             </a:fld>
             <a:endParaRPr lang="en-US"/>
           </a:p>
@@ -2848,7 +2848,7 @@
           <a:p>
             <a:fld id="{50A519B0-864F-436F-AD10-563B5AD2C023}" type="datetimeFigureOut">
               <a:rPr lang="en-US" smtClean="0"/>
-              <a:t>2/25/2024</a:t>
+              <a:t>4/21/2025</a:t>
             </a:fld>
             <a:endParaRPr lang="en-US"/>
           </a:p>
@@ -3133,7 +3133,7 @@
           <a:p>
             <a:fld id="{50A519B0-864F-436F-AD10-563B5AD2C023}" type="datetimeFigureOut">
               <a:rPr lang="en-US" smtClean="0"/>
-              <a:t>2/25/2024</a:t>
+              <a:t>4/21/2025</a:t>
             </a:fld>
             <a:endParaRPr lang="en-US"/>
           </a:p>
@@ -3552,7 +3552,7 @@
           <a:p>
             <a:fld id="{50A519B0-864F-436F-AD10-563B5AD2C023}" type="datetimeFigureOut">
               <a:rPr lang="en-US" smtClean="0"/>
-              <a:t>2/25/2024</a:t>
+              <a:t>4/21/2025</a:t>
             </a:fld>
             <a:endParaRPr lang="en-US"/>
           </a:p>
@@ -3669,7 +3669,7 @@
           <a:p>
             <a:fld id="{50A519B0-864F-436F-AD10-563B5AD2C023}" type="datetimeFigureOut">
               <a:rPr lang="en-US" smtClean="0"/>
-              <a:t>2/25/2024</a:t>
+              <a:t>4/21/2025</a:t>
             </a:fld>
             <a:endParaRPr lang="en-US"/>
           </a:p>
@@ -3764,7 +3764,7 @@
           <a:p>
             <a:fld id="{50A519B0-864F-436F-AD10-563B5AD2C023}" type="datetimeFigureOut">
               <a:rPr lang="en-US" smtClean="0"/>
-              <a:t>2/25/2024</a:t>
+              <a:t>4/21/2025</a:t>
             </a:fld>
             <a:endParaRPr lang="en-US"/>
           </a:p>
@@ -4039,7 +4039,7 @@
           <a:p>
             <a:fld id="{50A519B0-864F-436F-AD10-563B5AD2C023}" type="datetimeFigureOut">
               <a:rPr lang="en-US" smtClean="0"/>
-              <a:t>2/25/2024</a:t>
+              <a:t>4/21/2025</a:t>
             </a:fld>
             <a:endParaRPr lang="en-US"/>
           </a:p>
@@ -4291,7 +4291,7 @@
           <a:p>
             <a:fld id="{50A519B0-864F-436F-AD10-563B5AD2C023}" type="datetimeFigureOut">
               <a:rPr lang="en-US" smtClean="0"/>
-              <a:t>2/25/2024</a:t>
+              <a:t>4/21/2025</a:t>
             </a:fld>
             <a:endParaRPr lang="en-US"/>
           </a:p>
@@ -4502,7 +4502,7 @@
           <a:p>
             <a:fld id="{50A519B0-864F-436F-AD10-563B5AD2C023}" type="datetimeFigureOut">
               <a:rPr lang="en-US" smtClean="0"/>
-              <a:t>2/25/2024</a:t>
+              <a:t>4/21/2025</a:t>
             </a:fld>
             <a:endParaRPr lang="en-US"/>
           </a:p>
@@ -4950,72 +4950,6 @@
           </a:p>
         </p:txBody>
       </p:sp>
-      <p:sp>
-        <p:nvSpPr>
-          <p:cNvPr id="3" name="TextBox 2">
-            <a:extLst>
-              <a:ext uri="{FF2B5EF4-FFF2-40B4-BE49-F238E27FC236}">
-                <a16:creationId xmlns:a16="http://schemas.microsoft.com/office/drawing/2014/main" id="{A9367514-884D-E2DB-D7C1-8927241ADF48}"/>
-              </a:ext>
-            </a:extLst>
-          </p:cNvPr>
-          <p:cNvSpPr txBox="1"/>
-          <p:nvPr/>
-        </p:nvSpPr>
-        <p:spPr>
-          <a:xfrm>
-            <a:off x="4585447" y="-10818"/>
-            <a:ext cx="4619625" cy="1046440"/>
-          </a:xfrm>
-          <a:prstGeom prst="rect">
-            <a:avLst/>
-          </a:prstGeom>
-          <a:noFill/>
-          <a:ln w="12700" cap="flat">
-            <a:noFill/>
-            <a:miter lim="400000"/>
-          </a:ln>
-          <a:effectLst/>
-        </p:spPr>
-        <p:style>
-          <a:lnRef idx="0">
-            <a:scrgbClr r="0" g="0" b="0"/>
-          </a:lnRef>
-          <a:fillRef idx="0">
-            <a:scrgbClr r="0" g="0" b="0"/>
-          </a:fillRef>
-          <a:effectRef idx="0">
-            <a:scrgbClr r="0" g="0" b="0"/>
-          </a:effectRef>
-          <a:fontRef idx="none"/>
-        </p:style>
-        <p:txBody>
-          <a:bodyPr wrap="square">
-            <a:spAutoFit/>
-          </a:bodyPr>
-          <a:lstStyle/>
-          <a:p>
-            <a:r>
-              <a:rPr lang="en-US" dirty="0">
-                <a:highlight>
-                  <a:srgbClr val="FFFF00"/>
-                </a:highlight>
-              </a:rPr>
-              <a:t>Today’s Attendance password</a:t>
-            </a:r>
-          </a:p>
-          <a:p>
-            <a:r>
-              <a:rPr lang="en-US" sz="4400" dirty="0">
-                <a:highlight>
-                  <a:srgbClr val="FFFF00"/>
-                </a:highlight>
-              </a:rPr>
-              <a:t>____________</a:t>
-            </a:r>
-          </a:p>
-        </p:txBody>
-      </p:sp>
       <p:pic>
         <p:nvPicPr>
           <p:cNvPr id="4" name="Picture 3">
@@ -5149,6 +5083,69 @@
               <a:t>EncapsulationQuiz</a:t>
             </a:r>
             <a:endParaRPr lang="en-US" sz="2400" i="1" dirty="0"/>
+          </a:p>
+        </p:txBody>
+      </p:sp>
+      <p:sp>
+        <p:nvSpPr>
+          <p:cNvPr id="6" name="Shape 54">
+            <a:extLst>
+              <a:ext uri="{FF2B5EF4-FFF2-40B4-BE49-F238E27FC236}">
+                <a16:creationId xmlns:a16="http://schemas.microsoft.com/office/drawing/2014/main" id="{F751041B-EBF5-1676-138B-B9BBC61E01A6}"/>
+              </a:ext>
+            </a:extLst>
+          </p:cNvPr>
+          <p:cNvSpPr/>
+          <p:nvPr/>
+        </p:nvSpPr>
+        <p:spPr>
+          <a:xfrm>
+            <a:off x="5539154" y="209686"/>
+            <a:ext cx="3346430" cy="738664"/>
+          </a:xfrm>
+          <a:prstGeom prst="rect">
+            <a:avLst/>
+          </a:prstGeom>
+          <a:solidFill>
+            <a:srgbClr val="9BBB59"/>
+          </a:solidFill>
+          <a:ln w="25400" cap="rnd">
+            <a:solidFill>
+              <a:srgbClr val="718841"/>
+            </a:solidFill>
+          </a:ln>
+          <a:extLst>
+            <a:ext uri="{C572A759-6A51-4108-AA02-DFA0A04FC94B}">
+              <ma14:wrappingTextBoxFlag xmlns:ma14="http://schemas.microsoft.com/office/mac/drawingml/2011/main" xmlns="" val="1"/>
+            </a:ext>
+          </a:extLst>
+        </p:spPr>
+        <p:txBody>
+          <a:bodyPr wrap="square" lIns="0" tIns="0" rIns="0" bIns="0">
+            <a:spAutoFit/>
+          </a:bodyPr>
+          <a:lstStyle/>
+          <a:p>
+            <a:pPr lvl="0"/>
+            <a:r>
+              <a:rPr lang="en-US" sz="2400" i="1" dirty="0">
+                <a:solidFill>
+                  <a:srgbClr val="FFFFFF"/>
+                </a:solidFill>
+              </a:rPr>
+              <a:t> Attendance password    </a:t>
+            </a:r>
+          </a:p>
+          <a:p>
+            <a:pPr lvl="0"/>
+            <a:r>
+              <a:rPr lang="en-US" sz="2400" i="1" dirty="0">
+                <a:solidFill>
+                  <a:srgbClr val="FFFFFF"/>
+                </a:solidFill>
+              </a:rPr>
+              <a:t> is written on the board</a:t>
+            </a:r>
           </a:p>
         </p:txBody>
       </p:sp>
@@ -9400,6 +9397,21 @@
 </file>
 
 <file path=customXml/item1.xml><?xml version="1.0" encoding="utf-8"?>
+<p:properties xmlns:p="http://schemas.microsoft.com/office/2006/metadata/properties" xmlns:xsi="http://www.w3.org/2001/XMLSchema-instance" xmlns:pc="http://schemas.microsoft.com/office/infopath/2007/PartnerControls">
+  <documentManagement/>
+</p:properties>
+</file>
+
+<file path=customXml/item2.xml><?xml version="1.0" encoding="utf-8"?>
+<?mso-contentType ?>
+<FormTemplates xmlns="http://schemas.microsoft.com/sharepoint/v3/contenttype/forms">
+  <Display>DocumentLibraryForm</Display>
+  <Edit>DocumentLibraryForm</Edit>
+  <New>DocumentLibraryForm</New>
+</FormTemplates>
+</file>
+
+<file path=customXml/item3.xml><?xml version="1.0" encoding="utf-8"?>
 <ct:contentTypeSchema xmlns:ct="http://schemas.microsoft.com/office/2006/metadata/contentType" xmlns:ma="http://schemas.microsoft.com/office/2006/metadata/properties/metaAttributes" ct:_="" ma:_="" ma:contentTypeName="Document" ma:contentTypeID="0x0101001570BCAAD2E4294F9443DCB038A55380" ma:contentTypeVersion="8" ma:contentTypeDescription="Create a new document." ma:contentTypeScope="" ma:versionID="9523c79d6bab9e2ad858b5223ec5ed94">
   <xsd:schema xmlns:xsd="http://www.w3.org/2001/XMLSchema" xmlns:xs="http://www.w3.org/2001/XMLSchema" xmlns:p="http://schemas.microsoft.com/office/2006/metadata/properties" xmlns:ns2="201674f6-2bdd-4f13-ba1e-424e4aa70473" targetNamespace="http://schemas.microsoft.com/office/2006/metadata/properties" ma:root="true" ma:fieldsID="587afc94f70b507ec5be5f4d78229b0b" ns2:_="">
     <xsd:import namespace="201674f6-2bdd-4f13-ba1e-424e4aa70473"/>
@@ -9569,22 +9581,24 @@
 </ct:contentTypeSchema>
 </file>
 
-<file path=customXml/item2.xml><?xml version="1.0" encoding="utf-8"?>
-<?mso-contentType ?>
-<FormTemplates xmlns="http://schemas.microsoft.com/sharepoint/v3/contenttype/forms">
-  <Display>DocumentLibraryForm</Display>
-  <Edit>DocumentLibraryForm</Edit>
-  <New>DocumentLibraryForm</New>
-</FormTemplates>
+<file path=customXml/itemProps1.xml><?xml version="1.0" encoding="utf-8"?>
+<ds:datastoreItem xmlns:ds="http://schemas.openxmlformats.org/officeDocument/2006/customXml" ds:itemID="{B491038B-BF0E-4A77-87DF-C49EC76AAFA7}">
+  <ds:schemaRefs>
+    <ds:schemaRef ds:uri="http://schemas.microsoft.com/office/2006/metadata/properties"/>
+    <ds:schemaRef ds:uri="http://schemas.microsoft.com/office/infopath/2007/PartnerControls"/>
+  </ds:schemaRefs>
+</ds:datastoreItem>
 </file>
 
-<file path=customXml/item3.xml><?xml version="1.0" encoding="utf-8"?>
-<p:properties xmlns:p="http://schemas.microsoft.com/office/2006/metadata/properties" xmlns:xsi="http://www.w3.org/2001/XMLSchema-instance" xmlns:pc="http://schemas.microsoft.com/office/infopath/2007/PartnerControls">
-  <documentManagement/>
-</p:properties>
+<file path=customXml/itemProps2.xml><?xml version="1.0" encoding="utf-8"?>
+<ds:datastoreItem xmlns:ds="http://schemas.openxmlformats.org/officeDocument/2006/customXml" ds:itemID="{19D63386-58C0-4AE8-8250-8035951A896A}">
+  <ds:schemaRefs>
+    <ds:schemaRef ds:uri="http://schemas.microsoft.com/sharepoint/v3/contenttype/forms"/>
+  </ds:schemaRefs>
+</ds:datastoreItem>
 </file>
 
-<file path=customXml/itemProps1.xml><?xml version="1.0" encoding="utf-8"?>
+<file path=customXml/itemProps3.xml><?xml version="1.0" encoding="utf-8"?>
 <ds:datastoreItem xmlns:ds="http://schemas.openxmlformats.org/officeDocument/2006/customXml" ds:itemID="{7F299FFE-3069-4F75-8FB8-7719DBB46517}">
   <ds:schemaRefs>
     <ds:schemaRef ds:uri="http://schemas.microsoft.com/office/2006/metadata/contentType"/>
@@ -9600,21 +9614,4 @@
     <ds:schemaRef ds:uri="http://schemas.microsoft.com/internal/obd"/>
   </ds:schemaRefs>
 </ds:datastoreItem>
-</file>
-
-<file path=customXml/itemProps2.xml><?xml version="1.0" encoding="utf-8"?>
-<ds:datastoreItem xmlns:ds="http://schemas.openxmlformats.org/officeDocument/2006/customXml" ds:itemID="{19D63386-58C0-4AE8-8250-8035951A896A}">
-  <ds:schemaRefs>
-    <ds:schemaRef ds:uri="http://schemas.microsoft.com/sharepoint/v3/contenttype/forms"/>
-  </ds:schemaRefs>
-</ds:datastoreItem>
-</file>
-
-<file path=customXml/itemProps3.xml><?xml version="1.0" encoding="utf-8"?>
-<ds:datastoreItem xmlns:ds="http://schemas.openxmlformats.org/officeDocument/2006/customXml" ds:itemID="{B491038B-BF0E-4A77-87DF-C49EC76AAFA7}">
-  <ds:schemaRefs>
-    <ds:schemaRef ds:uri="http://schemas.microsoft.com/office/2006/metadata/properties"/>
-    <ds:schemaRef ds:uri="http://schemas.microsoft.com/office/infopath/2007/PartnerControls"/>
-  </ds:schemaRefs>
-</ds:datastoreItem>
 </file>